--- a/efs/HCR.pptx
+++ b/efs/HCR.pptx
@@ -5,7 +5,7 @@
     <p:sldMasterId id="2147483648" r:id="rId1"/>
   </p:sldMasterIdLst>
   <p:notesMasterIdLst>
-    <p:notesMasterId r:id="rId73"/>
+    <p:notesMasterId r:id="rId75"/>
   </p:notesMasterIdLst>
   <p:sldIdLst>
     <p:sldId id="256" r:id="rId2"/>
@@ -77,8 +77,10 @@
     <p:sldId id="398" r:id="rId68"/>
     <p:sldId id="401" r:id="rId69"/>
     <p:sldId id="402" r:id="rId70"/>
-    <p:sldId id="411" r:id="rId71"/>
-    <p:sldId id="412" r:id="rId72"/>
+    <p:sldId id="418" r:id="rId71"/>
+    <p:sldId id="419" r:id="rId72"/>
+    <p:sldId id="411" r:id="rId73"/>
+    <p:sldId id="412" r:id="rId74"/>
   </p:sldIdLst>
   <p:sldSz cx="9144000" cy="5143500" type="screen16x9"/>
   <p:notesSz cx="9144000" cy="5143500"/>
@@ -51839,7 +51841,7 @@
                 <a:latin typeface="Arial"/>
                 <a:cs typeface="Arial"/>
               </a:rPr>
-              <a:t>OCR using Deep Learning</a:t>
+              <a:t>Test results</a:t>
             </a:r>
             <a:endParaRPr sz="3000" dirty="0">
               <a:latin typeface="Arial"/>
@@ -51857,7 +51859,7 @@
         <p:spPr>
           <a:xfrm>
             <a:off x="303396" y="849532"/>
-            <a:ext cx="8993003" cy="320601"/>
+            <a:ext cx="8993003" cy="961802"/>
           </a:xfrm>
           <a:prstGeom prst="rect">
             <a:avLst/>
@@ -51878,15 +51880,53 @@
               </a:spcBef>
             </a:pPr>
             <a:r>
+              <a:rPr lang="en-US" sz="2000" dirty="0"/>
+              <a:t>Tesseract pre-trained model </a:t>
+            </a:r>
+          </a:p>
+          <a:p>
+            <a:pPr marL="12700">
+              <a:lnSpc>
+                <a:spcPct val="100000"/>
+              </a:lnSpc>
+              <a:spcBef>
+                <a:spcPts val="100"/>
+              </a:spcBef>
+            </a:pPr>
+            <a:r>
               <a:rPr lang="en-US" sz="2000" dirty="0">
-                <a:latin typeface="Arial" panose="020B0604020202020204" pitchFamily="34" charset="0"/>
-                <a:cs typeface="Arial" panose="020B0604020202020204" pitchFamily="34" charset="0"/>
-              </a:rPr>
-              <a:t>Conclusion:</a:t>
+                <a:solidFill>
+                  <a:srgbClr val="FF0000"/>
+                </a:solidFill>
+              </a:rPr>
+              <a:t>trained by printed text</a:t>
+            </a:r>
+          </a:p>
+          <a:p>
+            <a:pPr marL="12700">
+              <a:lnSpc>
+                <a:spcPct val="100000"/>
+              </a:lnSpc>
+              <a:spcBef>
+                <a:spcPts val="100"/>
+              </a:spcBef>
+            </a:pPr>
+            <a:r>
+              <a:rPr lang="en-US" sz="2000" dirty="0">
+                <a:solidFill>
+                  <a:srgbClr val="FF0000"/>
+                </a:solidFill>
+                <a:latin typeface="Arial"/>
+                <a:cs typeface="Arial"/>
+              </a:rPr>
+              <a:t>Test on our handwritten address by 6 writers</a:t>
             </a:r>
             <a:endParaRPr sz="2000" dirty="0">
-              <a:latin typeface="Arial" panose="020B0604020202020204" pitchFamily="34" charset="0"/>
-              <a:cs typeface="Arial" panose="020B0604020202020204" pitchFamily="34" charset="0"/>
+              <a:solidFill>
+                <a:srgbClr val="FF0000"/>
+              </a:solidFill>
+              <a:latin typeface="Arial"/>
+              <a:cs typeface="Arial"/>
             </a:endParaRPr>
           </a:p>
         </p:txBody>
@@ -52087,111 +52127,10 @@
           </a:p>
         </p:txBody>
       </p:sp>
-      <p:sp>
-        <p:nvSpPr>
-          <p:cNvPr id="11" name="TextBox 10"/>
-          <p:cNvSpPr txBox="1"/>
-          <p:nvPr/>
-        </p:nvSpPr>
-        <p:spPr>
-          <a:xfrm>
-            <a:off x="609600" y="1387529"/>
-            <a:ext cx="7467600" cy="1938992"/>
-          </a:xfrm>
-          <a:prstGeom prst="rect">
-            <a:avLst/>
-          </a:prstGeom>
-          <a:noFill/>
-        </p:spPr>
-        <p:txBody>
-          <a:bodyPr wrap="square" rtlCol="0">
-            <a:spAutoFit/>
-          </a:bodyPr>
-          <a:lstStyle/>
-          <a:p>
-            <a:pPr marL="342900" indent="-342900">
-              <a:buFont typeface="Arial" panose="020B0604020202020204" pitchFamily="34" charset="0"/>
-              <a:buChar char="•"/>
-            </a:pPr>
-            <a:r>
-              <a:rPr lang="en-US" sz="2000" dirty="0">
-                <a:latin typeface="Arial" panose="020B0604020202020204" pitchFamily="34" charset="0"/>
-                <a:cs typeface="Arial" panose="020B0604020202020204" pitchFamily="34" charset="0"/>
-              </a:rPr>
-              <a:t>Better accuracy</a:t>
-            </a:r>
-          </a:p>
-          <a:p>
-            <a:pPr marL="342900" indent="-342900">
-              <a:buFont typeface="Arial" panose="020B0604020202020204" pitchFamily="34" charset="0"/>
-              <a:buChar char="•"/>
-            </a:pPr>
-            <a:r>
-              <a:rPr lang="en-US" sz="2000" dirty="0">
-                <a:latin typeface="Arial" panose="020B0604020202020204" pitchFamily="34" charset="0"/>
-                <a:cs typeface="Arial" panose="020B0604020202020204" pitchFamily="34" charset="0"/>
-              </a:rPr>
-              <a:t>Less feature designing needed in Deep learning</a:t>
-            </a:r>
-          </a:p>
-          <a:p>
-            <a:pPr marL="342900" indent="-342900">
-              <a:buFont typeface="Arial" panose="020B0604020202020204" pitchFamily="34" charset="0"/>
-              <a:buChar char="•"/>
-            </a:pPr>
-            <a:r>
-              <a:rPr lang="en-US" sz="2000" dirty="0">
-                <a:latin typeface="Arial" panose="020B0604020202020204" pitchFamily="34" charset="0"/>
-                <a:cs typeface="Arial" panose="020B0604020202020204" pitchFamily="34" charset="0"/>
-              </a:rPr>
-              <a:t>Robust and data driven</a:t>
-            </a:r>
-          </a:p>
-          <a:p>
-            <a:pPr marL="342900" indent="-342900">
-              <a:buFont typeface="Arial" panose="020B0604020202020204" pitchFamily="34" charset="0"/>
-              <a:buChar char="•"/>
-            </a:pPr>
-            <a:r>
-              <a:rPr lang="en-US" sz="2000" dirty="0">
-                <a:latin typeface="Arial" panose="020B0604020202020204" pitchFamily="34" charset="0"/>
-                <a:cs typeface="Arial" panose="020B0604020202020204" pitchFamily="34" charset="0"/>
-              </a:rPr>
-              <a:t>Trainable for multi-language available</a:t>
-            </a:r>
-          </a:p>
-          <a:p>
-            <a:pPr marL="342900" indent="-342900">
-              <a:buFont typeface="Arial" panose="020B0604020202020204" pitchFamily="34" charset="0"/>
-              <a:buChar char="•"/>
-            </a:pPr>
-            <a:r>
-              <a:rPr lang="en-US" sz="2000" dirty="0">
-                <a:latin typeface="Arial" panose="020B0604020202020204" pitchFamily="34" charset="0"/>
-                <a:cs typeface="Arial" panose="020B0604020202020204" pitchFamily="34" charset="0"/>
-              </a:rPr>
-              <a:t>Tesseract are surprisingly general</a:t>
-            </a:r>
-          </a:p>
-          <a:p>
-            <a:pPr marL="342900" indent="-342900">
-              <a:buFont typeface="Arial" panose="020B0604020202020204" pitchFamily="34" charset="0"/>
-              <a:buChar char="•"/>
-            </a:pPr>
-            <a:r>
-              <a:rPr lang="en-US" sz="2000" dirty="0">
-                <a:latin typeface="Arial" panose="020B0604020202020204" pitchFamily="34" charset="0"/>
-                <a:cs typeface="Arial" panose="020B0604020202020204" pitchFamily="34" charset="0"/>
-              </a:rPr>
-              <a:t>~100 Languages available</a:t>
-            </a:r>
-          </a:p>
-        </p:txBody>
-      </p:sp>
     </p:spTree>
     <p:extLst>
       <p:ext uri="{BB962C8B-B14F-4D97-AF65-F5344CB8AC3E}">
-        <p14:creationId xmlns:p14="http://schemas.microsoft.com/office/powerpoint/2010/main" val="1806520715"/>
+        <p14:creationId xmlns:p14="http://schemas.microsoft.com/office/powerpoint/2010/main" val="3315249355"/>
       </p:ext>
     </p:extLst>
   </p:cSld>
@@ -52256,12 +52195,85 @@
                 <a:latin typeface="Arial"/>
                 <a:cs typeface="Arial"/>
               </a:rPr>
-              <a:t>References</a:t>
+              <a:t>Test results</a:t>
             </a:r>
             <a:endParaRPr sz="3000" dirty="0">
               <a:latin typeface="Arial"/>
               <a:cs typeface="Arial"/>
             </a:endParaRPr>
+          </a:p>
+        </p:txBody>
+      </p:sp>
+      <p:sp>
+        <p:nvSpPr>
+          <p:cNvPr id="3" name="object 3"/>
+          <p:cNvSpPr txBox="1"/>
+          <p:nvPr/>
+        </p:nvSpPr>
+        <p:spPr>
+          <a:xfrm>
+            <a:off x="303396" y="849532"/>
+            <a:ext cx="8993003" cy="961802"/>
+          </a:xfrm>
+          <a:prstGeom prst="rect">
+            <a:avLst/>
+          </a:prstGeom>
+        </p:spPr>
+        <p:txBody>
+          <a:bodyPr vert="horz" wrap="square" lIns="0" tIns="12700" rIns="0" bIns="0" rtlCol="0">
+            <a:spAutoFit/>
+          </a:bodyPr>
+          <a:lstStyle/>
+          <a:p>
+            <a:pPr marL="12700">
+              <a:lnSpc>
+                <a:spcPct val="100000"/>
+              </a:lnSpc>
+              <a:spcBef>
+                <a:spcPts val="100"/>
+              </a:spcBef>
+            </a:pPr>
+            <a:r>
+              <a:rPr lang="en-US" sz="2000" dirty="0" err="1"/>
+              <a:t>Tensorflow</a:t>
+            </a:r>
+            <a:r>
+              <a:rPr lang="en-US" sz="2000" dirty="0"/>
+              <a:t> pre-trained model  </a:t>
+            </a:r>
+          </a:p>
+          <a:p>
+            <a:pPr marL="12700">
+              <a:lnSpc>
+                <a:spcPct val="100000"/>
+              </a:lnSpc>
+              <a:spcBef>
+                <a:spcPts val="100"/>
+              </a:spcBef>
+            </a:pPr>
+            <a:r>
+              <a:rPr lang="en-US" sz="2000" dirty="0">
+                <a:solidFill>
+                  <a:srgbClr val="FF0000"/>
+                </a:solidFill>
+              </a:rPr>
+              <a:t>trained on IAM Handwritten Training Dataset</a:t>
+            </a:r>
+          </a:p>
+          <a:p>
+            <a:pPr marL="12700">
+              <a:spcBef>
+                <a:spcPts val="100"/>
+              </a:spcBef>
+            </a:pPr>
+            <a:r>
+              <a:rPr lang="en-US" sz="2000" dirty="0">
+                <a:solidFill>
+                  <a:srgbClr val="FF0000"/>
+                </a:solidFill>
+              </a:rPr>
+              <a:t>trained on IAM Handwritten Test Dataset</a:t>
+            </a:r>
           </a:p>
         </p:txBody>
       </p:sp>
@@ -52453,6 +52465,696 @@
                 <a:cs typeface="Arial"/>
               </a:rPr>
               <a:t>71</a:t>
+            </a:fld>
+            <a:endParaRPr sz="2000">
+              <a:latin typeface="Arial"/>
+              <a:cs typeface="Arial"/>
+            </a:endParaRPr>
+          </a:p>
+        </p:txBody>
+      </p:sp>
+    </p:spTree>
+    <p:extLst>
+      <p:ext uri="{BB962C8B-B14F-4D97-AF65-F5344CB8AC3E}">
+        <p14:creationId xmlns:p14="http://schemas.microsoft.com/office/powerpoint/2010/main" val="470223531"/>
+      </p:ext>
+    </p:extLst>
+  </p:cSld>
+  <p:clrMapOvr>
+    <a:masterClrMapping/>
+  </p:clrMapOvr>
+</p:sld>
+</file>
+
+<file path=ppt/slides/slide72.xml><?xml version="1.0" encoding="utf-8"?>
+<p:sld xmlns:a="http://schemas.openxmlformats.org/drawingml/2006/main" xmlns:r="http://schemas.openxmlformats.org/officeDocument/2006/relationships" xmlns:p="http://schemas.openxmlformats.org/presentationml/2006/main">
+  <p:cSld>
+    <p:spTree>
+      <p:nvGrpSpPr>
+        <p:cNvPr id="1" name=""/>
+        <p:cNvGrpSpPr/>
+        <p:nvPr/>
+      </p:nvGrpSpPr>
+      <p:grpSpPr>
+        <a:xfrm>
+          <a:off x="0" y="0"/>
+          <a:ext cx="0" cy="0"/>
+          <a:chOff x="0" y="0"/>
+          <a:chExt cx="0" cy="0"/>
+        </a:xfrm>
+      </p:grpSpPr>
+      <p:sp>
+        <p:nvSpPr>
+          <p:cNvPr id="2" name="object 2"/>
+          <p:cNvSpPr txBox="1">
+            <a:spLocks noGrp="1"/>
+          </p:cNvSpPr>
+          <p:nvPr>
+            <p:ph type="title"/>
+          </p:nvPr>
+        </p:nvSpPr>
+        <p:spPr>
+          <a:xfrm>
+            <a:off x="301625" y="149538"/>
+            <a:ext cx="5010785" cy="482600"/>
+          </a:xfrm>
+          <a:prstGeom prst="rect">
+            <a:avLst/>
+          </a:prstGeom>
+        </p:spPr>
+        <p:txBody>
+          <a:bodyPr vert="horz" wrap="square" lIns="0" tIns="12700" rIns="0" bIns="0" rtlCol="0">
+            <a:spAutoFit/>
+          </a:bodyPr>
+          <a:lstStyle/>
+          <a:p>
+            <a:pPr marL="12700">
+              <a:lnSpc>
+                <a:spcPct val="100000"/>
+              </a:lnSpc>
+              <a:spcBef>
+                <a:spcPts val="100"/>
+              </a:spcBef>
+            </a:pPr>
+            <a:r>
+              <a:rPr lang="en-US" sz="3000" i="0" spc="-10" dirty="0">
+                <a:latin typeface="Arial"/>
+                <a:cs typeface="Arial"/>
+              </a:rPr>
+              <a:t>OCR using Deep Learning</a:t>
+            </a:r>
+            <a:endParaRPr sz="3000" dirty="0">
+              <a:latin typeface="Arial"/>
+              <a:cs typeface="Arial"/>
+            </a:endParaRPr>
+          </a:p>
+        </p:txBody>
+      </p:sp>
+      <p:sp>
+        <p:nvSpPr>
+          <p:cNvPr id="3" name="object 3"/>
+          <p:cNvSpPr txBox="1"/>
+          <p:nvPr/>
+        </p:nvSpPr>
+        <p:spPr>
+          <a:xfrm>
+            <a:off x="303396" y="849532"/>
+            <a:ext cx="8993003" cy="320601"/>
+          </a:xfrm>
+          <a:prstGeom prst="rect">
+            <a:avLst/>
+          </a:prstGeom>
+        </p:spPr>
+        <p:txBody>
+          <a:bodyPr vert="horz" wrap="square" lIns="0" tIns="12700" rIns="0" bIns="0" rtlCol="0">
+            <a:spAutoFit/>
+          </a:bodyPr>
+          <a:lstStyle/>
+          <a:p>
+            <a:pPr marL="12700">
+              <a:lnSpc>
+                <a:spcPct val="100000"/>
+              </a:lnSpc>
+              <a:spcBef>
+                <a:spcPts val="100"/>
+              </a:spcBef>
+            </a:pPr>
+            <a:r>
+              <a:rPr lang="en-US" sz="2000" dirty="0">
+                <a:latin typeface="Arial" panose="020B0604020202020204" pitchFamily="34" charset="0"/>
+                <a:cs typeface="Arial" panose="020B0604020202020204" pitchFamily="34" charset="0"/>
+              </a:rPr>
+              <a:t>Conclusion:</a:t>
+            </a:r>
+            <a:endParaRPr sz="2000" dirty="0">
+              <a:latin typeface="Arial" panose="020B0604020202020204" pitchFamily="34" charset="0"/>
+              <a:cs typeface="Arial" panose="020B0604020202020204" pitchFamily="34" charset="0"/>
+            </a:endParaRPr>
+          </a:p>
+        </p:txBody>
+      </p:sp>
+      <p:sp>
+        <p:nvSpPr>
+          <p:cNvPr id="12" name="object 12"/>
+          <p:cNvSpPr txBox="1"/>
+          <p:nvPr/>
+        </p:nvSpPr>
+        <p:spPr>
+          <a:xfrm>
+            <a:off x="5246725" y="4704900"/>
+            <a:ext cx="1379855" cy="309245"/>
+          </a:xfrm>
+          <a:prstGeom prst="rect">
+            <a:avLst/>
+          </a:prstGeom>
+        </p:spPr>
+        <p:txBody>
+          <a:bodyPr vert="horz" wrap="square" lIns="0" tIns="0" rIns="0" bIns="0" rtlCol="0">
+            <a:spAutoFit/>
+          </a:bodyPr>
+          <a:lstStyle/>
+          <a:p>
+            <a:pPr marL="12700">
+              <a:lnSpc>
+                <a:spcPts val="2310"/>
+              </a:lnSpc>
+            </a:pPr>
+            <a:r>
+              <a:rPr sz="2000" spc="-5" dirty="0">
+                <a:solidFill>
+                  <a:srgbClr val="FFFFFF"/>
+                </a:solidFill>
+                <a:latin typeface="Arial"/>
+                <a:cs typeface="Arial"/>
+              </a:rPr>
+              <a:t>Lecture 14</a:t>
+            </a:r>
+            <a:r>
+              <a:rPr sz="2000" spc="-85" dirty="0">
+                <a:solidFill>
+                  <a:srgbClr val="FFFFFF"/>
+                </a:solidFill>
+                <a:latin typeface="Arial"/>
+                <a:cs typeface="Arial"/>
+              </a:rPr>
+              <a:t> </a:t>
+            </a:r>
+            <a:r>
+              <a:rPr sz="2000" dirty="0">
+                <a:solidFill>
+                  <a:srgbClr val="FFFFFF"/>
+                </a:solidFill>
+                <a:latin typeface="Arial"/>
+                <a:cs typeface="Arial"/>
+              </a:rPr>
+              <a:t>-</a:t>
+            </a:r>
+            <a:endParaRPr sz="2000">
+              <a:latin typeface="Arial"/>
+              <a:cs typeface="Arial"/>
+            </a:endParaRPr>
+          </a:p>
+        </p:txBody>
+      </p:sp>
+      <p:sp>
+        <p:nvSpPr>
+          <p:cNvPr id="13" name="object 13"/>
+          <p:cNvSpPr txBox="1">
+            <a:spLocks noGrp="1"/>
+          </p:cNvSpPr>
+          <p:nvPr>
+            <p:ph type="dt" sz="half" idx="6"/>
+          </p:nvPr>
+        </p:nvSpPr>
+        <p:spPr>
+          <a:prstGeom prst="rect">
+            <a:avLst/>
+          </a:prstGeom>
+        </p:spPr>
+        <p:txBody>
+          <a:bodyPr vert="horz" wrap="square" lIns="0" tIns="0" rIns="0" bIns="0" rtlCol="0">
+            <a:spAutoFit/>
+          </a:bodyPr>
+          <a:lstStyle/>
+          <a:p>
+            <a:pPr marL="12700">
+              <a:lnSpc>
+                <a:spcPts val="2310"/>
+              </a:lnSpc>
+            </a:pPr>
+            <a:r>
+              <a:rPr spc="-5" dirty="0"/>
+              <a:t>May 23,</a:t>
+            </a:r>
+            <a:r>
+              <a:rPr spc="-85" dirty="0"/>
+              <a:t> </a:t>
+            </a:r>
+            <a:r>
+              <a:rPr spc="-5" dirty="0"/>
+              <a:t>2017</a:t>
+            </a:r>
+          </a:p>
+        </p:txBody>
+      </p:sp>
+      <p:sp>
+        <p:nvSpPr>
+          <p:cNvPr id="14" name="object 14"/>
+          <p:cNvSpPr txBox="1">
+            <a:spLocks noGrp="1"/>
+          </p:cNvSpPr>
+          <p:nvPr>
+            <p:ph type="ftr" sz="quarter" idx="5"/>
+          </p:nvPr>
+        </p:nvSpPr>
+        <p:spPr>
+          <a:prstGeom prst="rect">
+            <a:avLst/>
+          </a:prstGeom>
+        </p:spPr>
+        <p:txBody>
+          <a:bodyPr vert="horz" wrap="square" lIns="0" tIns="0" rIns="0" bIns="0" rtlCol="0">
+            <a:spAutoFit/>
+          </a:bodyPr>
+          <a:lstStyle/>
+          <a:p>
+            <a:pPr marL="12700">
+              <a:lnSpc>
+                <a:spcPts val="2090"/>
+              </a:lnSpc>
+            </a:pPr>
+            <a:r>
+              <a:rPr spc="-5" dirty="0"/>
+              <a:t>Fei-Fei Li </a:t>
+            </a:r>
+            <a:r>
+              <a:rPr dirty="0"/>
+              <a:t>&amp; Justin Johnson &amp; </a:t>
+            </a:r>
+            <a:r>
+              <a:rPr spc="-5" dirty="0"/>
+              <a:t>Serena</a:t>
+            </a:r>
+            <a:r>
+              <a:rPr spc="-125" dirty="0"/>
+              <a:t> </a:t>
+            </a:r>
+            <a:r>
+              <a:rPr spc="-5" dirty="0"/>
+              <a:t>Yeung</a:t>
+            </a:r>
+          </a:p>
+        </p:txBody>
+      </p:sp>
+      <p:sp>
+        <p:nvSpPr>
+          <p:cNvPr id="15" name="object 15"/>
+          <p:cNvSpPr txBox="1"/>
+          <p:nvPr/>
+        </p:nvSpPr>
+        <p:spPr>
+          <a:xfrm>
+            <a:off x="6795806" y="4713450"/>
+            <a:ext cx="192405" cy="309245"/>
+          </a:xfrm>
+          <a:prstGeom prst="rect">
+            <a:avLst/>
+          </a:prstGeom>
+        </p:spPr>
+        <p:txBody>
+          <a:bodyPr vert="horz" wrap="square" lIns="0" tIns="0" rIns="0" bIns="0" rtlCol="0">
+            <a:spAutoFit/>
+          </a:bodyPr>
+          <a:lstStyle/>
+          <a:p>
+            <a:pPr marL="25400">
+              <a:lnSpc>
+                <a:spcPts val="2310"/>
+              </a:lnSpc>
+            </a:pPr>
+            <a:fld id="{81D60167-4931-47E6-BA6A-407CBD079E47}" type="slidenum">
+              <a:rPr sz="2000" dirty="0">
+                <a:solidFill>
+                  <a:srgbClr val="FFFFFF"/>
+                </a:solidFill>
+                <a:latin typeface="Arial"/>
+                <a:cs typeface="Arial"/>
+              </a:rPr>
+              <a:t>72</a:t>
+            </a:fld>
+            <a:endParaRPr sz="2000">
+              <a:latin typeface="Arial"/>
+              <a:cs typeface="Arial"/>
+            </a:endParaRPr>
+          </a:p>
+        </p:txBody>
+      </p:sp>
+      <p:sp>
+        <p:nvSpPr>
+          <p:cNvPr id="11" name="TextBox 10"/>
+          <p:cNvSpPr txBox="1"/>
+          <p:nvPr/>
+        </p:nvSpPr>
+        <p:spPr>
+          <a:xfrm>
+            <a:off x="609600" y="1387529"/>
+            <a:ext cx="7467600" cy="1938992"/>
+          </a:xfrm>
+          <a:prstGeom prst="rect">
+            <a:avLst/>
+          </a:prstGeom>
+          <a:noFill/>
+        </p:spPr>
+        <p:txBody>
+          <a:bodyPr wrap="square" rtlCol="0">
+            <a:spAutoFit/>
+          </a:bodyPr>
+          <a:lstStyle/>
+          <a:p>
+            <a:pPr marL="342900" indent="-342900">
+              <a:buFont typeface="Arial" panose="020B0604020202020204" pitchFamily="34" charset="0"/>
+              <a:buChar char="•"/>
+            </a:pPr>
+            <a:r>
+              <a:rPr lang="en-US" sz="2000" dirty="0">
+                <a:latin typeface="Arial" panose="020B0604020202020204" pitchFamily="34" charset="0"/>
+                <a:cs typeface="Arial" panose="020B0604020202020204" pitchFamily="34" charset="0"/>
+              </a:rPr>
+              <a:t>Better accuracy</a:t>
+            </a:r>
+          </a:p>
+          <a:p>
+            <a:pPr marL="342900" indent="-342900">
+              <a:buFont typeface="Arial" panose="020B0604020202020204" pitchFamily="34" charset="0"/>
+              <a:buChar char="•"/>
+            </a:pPr>
+            <a:r>
+              <a:rPr lang="en-US" sz="2000" dirty="0">
+                <a:latin typeface="Arial" panose="020B0604020202020204" pitchFamily="34" charset="0"/>
+                <a:cs typeface="Arial" panose="020B0604020202020204" pitchFamily="34" charset="0"/>
+              </a:rPr>
+              <a:t>Less feature designing needed in Deep learning</a:t>
+            </a:r>
+          </a:p>
+          <a:p>
+            <a:pPr marL="342900" indent="-342900">
+              <a:buFont typeface="Arial" panose="020B0604020202020204" pitchFamily="34" charset="0"/>
+              <a:buChar char="•"/>
+            </a:pPr>
+            <a:r>
+              <a:rPr lang="en-US" sz="2000" dirty="0">
+                <a:latin typeface="Arial" panose="020B0604020202020204" pitchFamily="34" charset="0"/>
+                <a:cs typeface="Arial" panose="020B0604020202020204" pitchFamily="34" charset="0"/>
+              </a:rPr>
+              <a:t>Robust and data driven</a:t>
+            </a:r>
+          </a:p>
+          <a:p>
+            <a:pPr marL="342900" indent="-342900">
+              <a:buFont typeface="Arial" panose="020B0604020202020204" pitchFamily="34" charset="0"/>
+              <a:buChar char="•"/>
+            </a:pPr>
+            <a:r>
+              <a:rPr lang="en-US" sz="2000" dirty="0">
+                <a:latin typeface="Arial" panose="020B0604020202020204" pitchFamily="34" charset="0"/>
+                <a:cs typeface="Arial" panose="020B0604020202020204" pitchFamily="34" charset="0"/>
+              </a:rPr>
+              <a:t>Trainable for multi-language available</a:t>
+            </a:r>
+          </a:p>
+          <a:p>
+            <a:pPr marL="342900" indent="-342900">
+              <a:buFont typeface="Arial" panose="020B0604020202020204" pitchFamily="34" charset="0"/>
+              <a:buChar char="•"/>
+            </a:pPr>
+            <a:r>
+              <a:rPr lang="en-US" sz="2000" dirty="0">
+                <a:latin typeface="Arial" panose="020B0604020202020204" pitchFamily="34" charset="0"/>
+                <a:cs typeface="Arial" panose="020B0604020202020204" pitchFamily="34" charset="0"/>
+              </a:rPr>
+              <a:t>Tesseract are surprisingly general</a:t>
+            </a:r>
+          </a:p>
+          <a:p>
+            <a:pPr marL="342900" indent="-342900">
+              <a:buFont typeface="Arial" panose="020B0604020202020204" pitchFamily="34" charset="0"/>
+              <a:buChar char="•"/>
+            </a:pPr>
+            <a:r>
+              <a:rPr lang="en-US" sz="2000" dirty="0">
+                <a:latin typeface="Arial" panose="020B0604020202020204" pitchFamily="34" charset="0"/>
+                <a:cs typeface="Arial" panose="020B0604020202020204" pitchFamily="34" charset="0"/>
+              </a:rPr>
+              <a:t>~100 Languages available</a:t>
+            </a:r>
+          </a:p>
+        </p:txBody>
+      </p:sp>
+    </p:spTree>
+    <p:extLst>
+      <p:ext uri="{BB962C8B-B14F-4D97-AF65-F5344CB8AC3E}">
+        <p14:creationId xmlns:p14="http://schemas.microsoft.com/office/powerpoint/2010/main" val="1806520715"/>
+      </p:ext>
+    </p:extLst>
+  </p:cSld>
+  <p:clrMapOvr>
+    <a:masterClrMapping/>
+  </p:clrMapOvr>
+</p:sld>
+</file>
+
+<file path=ppt/slides/slide73.xml><?xml version="1.0" encoding="utf-8"?>
+<p:sld xmlns:a="http://schemas.openxmlformats.org/drawingml/2006/main" xmlns:r="http://schemas.openxmlformats.org/officeDocument/2006/relationships" xmlns:p="http://schemas.openxmlformats.org/presentationml/2006/main">
+  <p:cSld>
+    <p:spTree>
+      <p:nvGrpSpPr>
+        <p:cNvPr id="1" name=""/>
+        <p:cNvGrpSpPr/>
+        <p:nvPr/>
+      </p:nvGrpSpPr>
+      <p:grpSpPr>
+        <a:xfrm>
+          <a:off x="0" y="0"/>
+          <a:ext cx="0" cy="0"/>
+          <a:chOff x="0" y="0"/>
+          <a:chExt cx="0" cy="0"/>
+        </a:xfrm>
+      </p:grpSpPr>
+      <p:sp>
+        <p:nvSpPr>
+          <p:cNvPr id="2" name="object 2"/>
+          <p:cNvSpPr txBox="1">
+            <a:spLocks noGrp="1"/>
+          </p:cNvSpPr>
+          <p:nvPr>
+            <p:ph type="title"/>
+          </p:nvPr>
+        </p:nvSpPr>
+        <p:spPr>
+          <a:xfrm>
+            <a:off x="301625" y="149538"/>
+            <a:ext cx="5010785" cy="482600"/>
+          </a:xfrm>
+          <a:prstGeom prst="rect">
+            <a:avLst/>
+          </a:prstGeom>
+        </p:spPr>
+        <p:txBody>
+          <a:bodyPr vert="horz" wrap="square" lIns="0" tIns="12700" rIns="0" bIns="0" rtlCol="0">
+            <a:spAutoFit/>
+          </a:bodyPr>
+          <a:lstStyle/>
+          <a:p>
+            <a:pPr marL="12700">
+              <a:lnSpc>
+                <a:spcPct val="100000"/>
+              </a:lnSpc>
+              <a:spcBef>
+                <a:spcPts val="100"/>
+              </a:spcBef>
+            </a:pPr>
+            <a:r>
+              <a:rPr lang="en-US" sz="3000" i="0" spc="-10" dirty="0">
+                <a:latin typeface="Arial"/>
+                <a:cs typeface="Arial"/>
+              </a:rPr>
+              <a:t>References</a:t>
+            </a:r>
+            <a:endParaRPr sz="3000" dirty="0">
+              <a:latin typeface="Arial"/>
+              <a:cs typeface="Arial"/>
+            </a:endParaRPr>
+          </a:p>
+        </p:txBody>
+      </p:sp>
+      <p:sp>
+        <p:nvSpPr>
+          <p:cNvPr id="12" name="object 12"/>
+          <p:cNvSpPr txBox="1"/>
+          <p:nvPr/>
+        </p:nvSpPr>
+        <p:spPr>
+          <a:xfrm>
+            <a:off x="5246725" y="4704900"/>
+            <a:ext cx="1379855" cy="309245"/>
+          </a:xfrm>
+          <a:prstGeom prst="rect">
+            <a:avLst/>
+          </a:prstGeom>
+        </p:spPr>
+        <p:txBody>
+          <a:bodyPr vert="horz" wrap="square" lIns="0" tIns="0" rIns="0" bIns="0" rtlCol="0">
+            <a:spAutoFit/>
+          </a:bodyPr>
+          <a:lstStyle/>
+          <a:p>
+            <a:pPr marL="12700">
+              <a:lnSpc>
+                <a:spcPts val="2310"/>
+              </a:lnSpc>
+            </a:pPr>
+            <a:r>
+              <a:rPr sz="2000" spc="-5" dirty="0">
+                <a:solidFill>
+                  <a:srgbClr val="FFFFFF"/>
+                </a:solidFill>
+                <a:latin typeface="Arial"/>
+                <a:cs typeface="Arial"/>
+              </a:rPr>
+              <a:t>Lecture 14</a:t>
+            </a:r>
+            <a:r>
+              <a:rPr sz="2000" spc="-85" dirty="0">
+                <a:solidFill>
+                  <a:srgbClr val="FFFFFF"/>
+                </a:solidFill>
+                <a:latin typeface="Arial"/>
+                <a:cs typeface="Arial"/>
+              </a:rPr>
+              <a:t> </a:t>
+            </a:r>
+            <a:r>
+              <a:rPr sz="2000" dirty="0">
+                <a:solidFill>
+                  <a:srgbClr val="FFFFFF"/>
+                </a:solidFill>
+                <a:latin typeface="Arial"/>
+                <a:cs typeface="Arial"/>
+              </a:rPr>
+              <a:t>-</a:t>
+            </a:r>
+            <a:endParaRPr sz="2000">
+              <a:latin typeface="Arial"/>
+              <a:cs typeface="Arial"/>
+            </a:endParaRPr>
+          </a:p>
+        </p:txBody>
+      </p:sp>
+      <p:sp>
+        <p:nvSpPr>
+          <p:cNvPr id="13" name="object 13"/>
+          <p:cNvSpPr txBox="1">
+            <a:spLocks noGrp="1"/>
+          </p:cNvSpPr>
+          <p:nvPr>
+            <p:ph type="dt" sz="half" idx="6"/>
+          </p:nvPr>
+        </p:nvSpPr>
+        <p:spPr>
+          <a:prstGeom prst="rect">
+            <a:avLst/>
+          </a:prstGeom>
+        </p:spPr>
+        <p:txBody>
+          <a:bodyPr vert="horz" wrap="square" lIns="0" tIns="0" rIns="0" bIns="0" rtlCol="0">
+            <a:spAutoFit/>
+          </a:bodyPr>
+          <a:lstStyle/>
+          <a:p>
+            <a:pPr marL="12700">
+              <a:lnSpc>
+                <a:spcPts val="2310"/>
+              </a:lnSpc>
+            </a:pPr>
+            <a:r>
+              <a:rPr spc="-5" dirty="0"/>
+              <a:t>May 23,</a:t>
+            </a:r>
+            <a:r>
+              <a:rPr spc="-85" dirty="0"/>
+              <a:t> </a:t>
+            </a:r>
+            <a:r>
+              <a:rPr spc="-5" dirty="0"/>
+              <a:t>2017</a:t>
+            </a:r>
+          </a:p>
+        </p:txBody>
+      </p:sp>
+      <p:sp>
+        <p:nvSpPr>
+          <p:cNvPr id="14" name="object 14"/>
+          <p:cNvSpPr txBox="1">
+            <a:spLocks noGrp="1"/>
+          </p:cNvSpPr>
+          <p:nvPr>
+            <p:ph type="ftr" sz="quarter" idx="5"/>
+          </p:nvPr>
+        </p:nvSpPr>
+        <p:spPr>
+          <a:prstGeom prst="rect">
+            <a:avLst/>
+          </a:prstGeom>
+        </p:spPr>
+        <p:txBody>
+          <a:bodyPr vert="horz" wrap="square" lIns="0" tIns="0" rIns="0" bIns="0" rtlCol="0">
+            <a:spAutoFit/>
+          </a:bodyPr>
+          <a:lstStyle/>
+          <a:p>
+            <a:pPr marL="12700">
+              <a:lnSpc>
+                <a:spcPts val="2090"/>
+              </a:lnSpc>
+            </a:pPr>
+            <a:r>
+              <a:rPr spc="-5" dirty="0"/>
+              <a:t>Fei-Fei Li </a:t>
+            </a:r>
+            <a:r>
+              <a:rPr dirty="0"/>
+              <a:t>&amp; Justin Johnson &amp; </a:t>
+            </a:r>
+            <a:r>
+              <a:rPr spc="-5" dirty="0"/>
+              <a:t>Serena</a:t>
+            </a:r>
+            <a:r>
+              <a:rPr spc="-125" dirty="0"/>
+              <a:t> </a:t>
+            </a:r>
+            <a:r>
+              <a:rPr spc="-5" dirty="0"/>
+              <a:t>Yeung</a:t>
+            </a:r>
+          </a:p>
+        </p:txBody>
+      </p:sp>
+      <p:sp>
+        <p:nvSpPr>
+          <p:cNvPr id="15" name="object 15"/>
+          <p:cNvSpPr txBox="1"/>
+          <p:nvPr/>
+        </p:nvSpPr>
+        <p:spPr>
+          <a:xfrm>
+            <a:off x="6795806" y="4713450"/>
+            <a:ext cx="192405" cy="309245"/>
+          </a:xfrm>
+          <a:prstGeom prst="rect">
+            <a:avLst/>
+          </a:prstGeom>
+        </p:spPr>
+        <p:txBody>
+          <a:bodyPr vert="horz" wrap="square" lIns="0" tIns="0" rIns="0" bIns="0" rtlCol="0">
+            <a:spAutoFit/>
+          </a:bodyPr>
+          <a:lstStyle/>
+          <a:p>
+            <a:pPr marL="25400">
+              <a:lnSpc>
+                <a:spcPts val="2310"/>
+              </a:lnSpc>
+            </a:pPr>
+            <a:fld id="{81D60167-4931-47E6-BA6A-407CBD079E47}" type="slidenum">
+              <a:rPr sz="2000" dirty="0">
+                <a:solidFill>
+                  <a:srgbClr val="FFFFFF"/>
+                </a:solidFill>
+                <a:latin typeface="Arial"/>
+                <a:cs typeface="Arial"/>
+              </a:rPr>
+              <a:t>73</a:t>
             </a:fld>
             <a:endParaRPr sz="2000">
               <a:latin typeface="Arial"/>
